--- a/01 Classes/Aula01- BD.pptx
+++ b/01 Classes/Aula01- BD.pptx
@@ -302,7 +302,7 @@
       </p15:sldGuideLst>
     </p:ext>
     <p:ext uri="http://customooxmlschemas.google.com/">
-      <go:slidesCustomData xmlns:go="http://customooxmlschemas.google.com/" xmlns:ahyp="http://schemas.microsoft.com/office/drawing/2018/hyperlinkcolor" xmlns:p15="http://schemas.microsoft.com/office/powerpoint/2012/main" xmlns:p14="http://schemas.microsoft.com/office/powerpoint/2010/main" xmlns:com="http://schemas.openxmlformats.org/drawingml/2006/compatibility" xmlns:pvml="urn:schemas-microsoft-com:office:powerpoint" xmlns:v="urn:schemas-microsoft-com:vml" xmlns:o="urn:schemas-microsoft-com:office:office" xmlns:dgm="http://schemas.openxmlformats.org/drawingml/2006/diagram" xmlns:c="http://schemas.openxmlformats.org/drawingml/2006/chart" xmlns:mv="urn:schemas-microsoft-com:mac:vml" xmlns:mc="http://schemas.openxmlformats.org/markup-compatibility/2006" xmlns="" r:id="rId39" roundtripDataSignature="AMtx7mjlVzqr2hj2OPD0D5+Q594jPyUHlA=="/>
+      <go:slidesCustomData xmlns="" xmlns:mc="http://schemas.openxmlformats.org/markup-compatibility/2006" xmlns:mv="urn:schemas-microsoft-com:mac:vml" xmlns:c="http://schemas.openxmlformats.org/drawingml/2006/chart" xmlns:dgm="http://schemas.openxmlformats.org/drawingml/2006/diagram" xmlns:o="urn:schemas-microsoft-com:office:office" xmlns:v="urn:schemas-microsoft-com:vml" xmlns:pvml="urn:schemas-microsoft-com:office:powerpoint" xmlns:com="http://schemas.openxmlformats.org/drawingml/2006/compatibility" xmlns:p14="http://schemas.microsoft.com/office/powerpoint/2010/main" xmlns:p15="http://schemas.microsoft.com/office/powerpoint/2012/main" xmlns:ahyp="http://schemas.microsoft.com/office/drawing/2018/hyperlinkcolor" xmlns:go="http://customooxmlschemas.google.com/" r:id="rId39" roundtripDataSignature="AMtx7mjlVzqr2hj2OPD0D5+Q594jPyUHlA=="/>
     </p:ext>
   </p:extLst>
 </p:presentation>
@@ -22620,8 +22620,8 @@
         </p:nvSpPr>
         <p:spPr>
           <a:xfrm>
-            <a:off x="3386138" y="4683125"/>
-            <a:ext cx="6235534" cy="461665"/>
+            <a:off x="419725" y="4683125"/>
+            <a:ext cx="11602386" cy="461665"/>
           </a:xfrm>
           <a:prstGeom prst="rect">
             <a:avLst/>
@@ -22655,18 +22655,65 @@
               <a:buNone/>
             </a:pPr>
             <a:r>
-              <a:rPr lang="pt-BR" sz="2400" b="1" i="0" u="none" strike="noStrike" cap="none">
-                <a:solidFill>
-                  <a:schemeClr val="dk1"/>
+              <a:rPr lang="pt-BR" sz="2400" b="1" dirty="0">
+                <a:solidFill>
+                  <a:srgbClr val="0070C0"/>
                 </a:solidFill>
                 <a:latin typeface="Century Schoolbook"/>
-                <a:ea typeface="Century Schoolbook"/>
-                <a:cs typeface="Century Schoolbook"/>
                 <a:sym typeface="Century Schoolbook"/>
               </a:rPr>
-              <a:t>Talita Rocha Pinheiro</a:t>
+              <a:t>Professor </a:t>
             </a:r>
-            <a:endParaRPr sz="1400" b="0" i="0" u="none" strike="noStrike" cap="none">
+            <a:r>
+              <a:rPr lang="pt-BR" sz="2400" b="1" dirty="0" err="1">
+                <a:solidFill>
+                  <a:srgbClr val="0070C0"/>
+                </a:solidFill>
+                <a:latin typeface="Century Schoolbook"/>
+                <a:sym typeface="Century Schoolbook"/>
+              </a:rPr>
+              <a:t>MSc</a:t>
+            </a:r>
+            <a:r>
+              <a:rPr lang="pt-BR" sz="2400" b="1" dirty="0">
+                <a:solidFill>
+                  <a:srgbClr val="0070C0"/>
+                </a:solidFill>
+                <a:latin typeface="Century Schoolbook"/>
+                <a:sym typeface="Century Schoolbook"/>
+              </a:rPr>
+              <a:t> Heleno Cardoso </a:t>
+            </a:r>
+            <a:r>
+              <a:rPr lang="pt-BR" sz="2400" b="1" dirty="0">
+                <a:solidFill>
+                  <a:schemeClr val="dk1"/>
+                </a:solidFill>
+                <a:latin typeface="Century Schoolbook"/>
+                <a:sym typeface="Century Schoolbook"/>
+              </a:rPr>
+              <a:t>– E-mail: helenocardosofilho@gmail.com</a:t>
+            </a:r>
+          </a:p>
+          <a:p>
+            <a:pPr marL="0" marR="0" lvl="0" indent="0" algn="ctr" rtl="0">
+              <a:lnSpc>
+                <a:spcPct val="100000"/>
+              </a:lnSpc>
+              <a:spcBef>
+                <a:spcPts val="0"/>
+              </a:spcBef>
+              <a:spcAft>
+                <a:spcPts val="0"/>
+              </a:spcAft>
+              <a:buClr>
+                <a:srgbClr val="000000"/>
+              </a:buClr>
+              <a:buSzPts val="2400"/>
+              <a:buFont typeface="Arial"/>
+              <a:buNone/>
+            </a:pPr>
+            <a:endParaRPr sz="1400" b="0" i="0" u="none" strike="noStrike" cap="none" dirty="0">
               <a:solidFill>
                 <a:srgbClr val="000000"/>
               </a:solidFill>
@@ -22721,7 +22768,7 @@
               <a:buNone/>
             </a:pPr>
             <a:r>
-              <a:rPr lang="pt-BR" sz="3600" b="1" i="0" u="none" strike="noStrike" cap="none">
+              <a:rPr lang="pt-BR" sz="3600" b="1" i="0" u="none" strike="noStrike" cap="none" dirty="0">
                 <a:solidFill>
                   <a:schemeClr val="dk1"/>
                 </a:solidFill>
@@ -22732,7 +22779,7 @@
               </a:rPr>
               <a:t>Banco de Dados</a:t>
             </a:r>
-            <a:endParaRPr sz="1400" b="0" i="0" u="none" strike="noStrike" cap="none">
+            <a:endParaRPr sz="1400" b="0" i="0" u="none" strike="noStrike" cap="none" dirty="0">
               <a:solidFill>
                 <a:srgbClr val="000000"/>
               </a:solidFill>
@@ -22761,7 +22808,7 @@
               <a:buNone/>
             </a:pPr>
             <a:r>
-              <a:rPr lang="pt-BR" sz="3600" b="1" i="0" u="none" strike="noStrike" cap="none">
+              <a:rPr lang="pt-BR" sz="3600" b="1" i="0" u="none" strike="noStrike" cap="none" dirty="0">
                 <a:solidFill>
                   <a:schemeClr val="dk1"/>
                 </a:solidFill>
@@ -22839,6 +22886,90 @@
           </a:ln>
         </p:spPr>
       </p:pic>
+      <p:sp>
+        <p:nvSpPr>
+          <p:cNvPr id="2" name="Google Shape;89;p1">
+            <a:extLst>
+              <a:ext uri="{FF2B5EF4-FFF2-40B4-BE49-F238E27FC236}">
+                <a16:creationId xmlns:a16="http://schemas.microsoft.com/office/drawing/2014/main" id="{318B88EC-7B3D-BF5A-E121-A2B2962CB683}"/>
+              </a:ext>
+            </a:extLst>
+          </p:cNvPr>
+          <p:cNvSpPr/>
+          <p:nvPr/>
+        </p:nvSpPr>
+        <p:spPr>
+          <a:xfrm>
+            <a:off x="1274164" y="5432931"/>
+            <a:ext cx="8347508" cy="461665"/>
+          </a:xfrm>
+          <a:prstGeom prst="rect">
+            <a:avLst/>
+          </a:prstGeom>
+          <a:noFill/>
+          <a:ln>
+            <a:noFill/>
+          </a:ln>
+        </p:spPr>
+        <p:txBody>
+          <a:bodyPr spcFirstLastPara="1" wrap="square" lIns="91425" tIns="45700" rIns="91425" bIns="45700" anchor="t" anchorCtr="0">
+            <a:noAutofit/>
+          </a:bodyPr>
+          <a:lstStyle/>
+          <a:p>
+            <a:pPr marL="0" marR="0" lvl="0" indent="0" algn="ctr" rtl="0">
+              <a:lnSpc>
+                <a:spcPct val="100000"/>
+              </a:lnSpc>
+              <a:spcBef>
+                <a:spcPts val="0"/>
+              </a:spcBef>
+              <a:spcAft>
+                <a:spcPts val="0"/>
+              </a:spcAft>
+              <a:buClr>
+                <a:srgbClr val="000000"/>
+              </a:buClr>
+              <a:buSzPts val="2400"/>
+              <a:buFont typeface="Arial"/>
+              <a:buNone/>
+            </a:pPr>
+            <a:r>
+              <a:rPr lang="pt-BR" sz="2400" b="1" i="0" u="none" strike="noStrike" cap="none" dirty="0">
+                <a:solidFill>
+                  <a:srgbClr val="FF0000"/>
+                </a:solidFill>
+                <a:latin typeface="Century Schoolbook"/>
+                <a:ea typeface="Century Schoolbook"/>
+                <a:cs typeface="Century Schoolbook"/>
+                <a:sym typeface="Century Schoolbook"/>
+              </a:rPr>
+              <a:t>Agradecimentos</a:t>
+            </a:r>
+            <a:r>
+              <a:rPr lang="pt-BR" sz="2400" b="1" i="0" u="none" strike="noStrike" cap="none" dirty="0">
+                <a:solidFill>
+                  <a:schemeClr val="dk1"/>
+                </a:solidFill>
+                <a:latin typeface="Century Schoolbook"/>
+                <a:ea typeface="Century Schoolbook"/>
+                <a:cs typeface="Century Schoolbook"/>
+                <a:sym typeface="Century Schoolbook"/>
+              </a:rPr>
+              <a:t>: Professora Talita Rocha Pinheiro</a:t>
+            </a:r>
+            <a:endParaRPr sz="1400" b="0" i="0" u="none" strike="noStrike" cap="none" dirty="0">
+              <a:solidFill>
+                <a:srgbClr val="000000"/>
+              </a:solidFill>
+              <a:latin typeface="Arial"/>
+              <a:ea typeface="Arial"/>
+              <a:cs typeface="Arial"/>
+              <a:sym typeface="Arial"/>
+            </a:endParaRPr>
+          </a:p>
+        </p:txBody>
+      </p:sp>
     </p:spTree>
   </p:cSld>
   <p:clrMapOvr>

--- a/01 Classes/Aula01- BD.pptx
+++ b/01 Classes/Aula01- BD.pptx
@@ -5,7 +5,7 @@
     <p:sldMasterId id="2147483648" r:id="rId1"/>
   </p:sldMasterIdLst>
   <p:notesMasterIdLst>
-    <p:notesMasterId r:id="rId27"/>
+    <p:notesMasterId r:id="rId28"/>
   </p:notesMasterIdLst>
   <p:sldIdLst>
     <p:sldId id="256" r:id="rId2"/>
@@ -33,28 +33,29 @@
     <p:sldId id="278" r:id="rId24"/>
     <p:sldId id="279" r:id="rId25"/>
     <p:sldId id="280" r:id="rId26"/>
+    <p:sldId id="281" r:id="rId27"/>
   </p:sldIdLst>
   <p:sldSz cx="12192000" cy="6858000"/>
   <p:notesSz cx="6858000" cy="9144000"/>
   <p:embeddedFontLst>
     <p:embeddedFont>
       <p:font typeface="Calibri" panose="020F0502020204030204" pitchFamily="34" charset="0"/>
-      <p:regular r:id="rId28"/>
-      <p:bold r:id="rId29"/>
-      <p:italic r:id="rId30"/>
-      <p:boldItalic r:id="rId31"/>
+      <p:regular r:id="rId29"/>
+      <p:bold r:id="rId30"/>
+      <p:italic r:id="rId31"/>
+      <p:boldItalic r:id="rId32"/>
     </p:embeddedFont>
     <p:embeddedFont>
       <p:font typeface="Century Schoolbook" panose="02040604050505020304" pitchFamily="18" charset="0"/>
-      <p:regular r:id="rId32"/>
-      <p:bold r:id="rId33"/>
-      <p:italic r:id="rId34"/>
-      <p:boldItalic r:id="rId35"/>
+      <p:regular r:id="rId33"/>
+      <p:bold r:id="rId34"/>
+      <p:italic r:id="rId35"/>
+      <p:boldItalic r:id="rId36"/>
     </p:embeddedFont>
     <p:embeddedFont>
       <p:font typeface="Tahoma" panose="020B0604030504040204" pitchFamily="34" charset="0"/>
-      <p:regular r:id="rId36"/>
-      <p:bold r:id="rId37"/>
+      <p:regular r:id="rId37"/>
+      <p:bold r:id="rId38"/>
     </p:embeddedFont>
   </p:embeddedFontLst>
   <p:defaultTextStyle>
@@ -302,7 +303,7 @@
       </p15:sldGuideLst>
     </p:ext>
     <p:ext uri="http://customooxmlschemas.google.com/">
-      <go:slidesCustomData xmlns="" xmlns:mc="http://schemas.openxmlformats.org/markup-compatibility/2006" xmlns:mv="urn:schemas-microsoft-com:mac:vml" xmlns:c="http://schemas.openxmlformats.org/drawingml/2006/chart" xmlns:dgm="http://schemas.openxmlformats.org/drawingml/2006/diagram" xmlns:o="urn:schemas-microsoft-com:office:office" xmlns:v="urn:schemas-microsoft-com:vml" xmlns:pvml="urn:schemas-microsoft-com:office:powerpoint" xmlns:com="http://schemas.openxmlformats.org/drawingml/2006/compatibility" xmlns:p14="http://schemas.microsoft.com/office/powerpoint/2010/main" xmlns:p15="http://schemas.microsoft.com/office/powerpoint/2012/main" xmlns:ahyp="http://schemas.microsoft.com/office/drawing/2018/hyperlinkcolor" xmlns:go="http://customooxmlschemas.google.com/" r:id="rId39" roundtripDataSignature="AMtx7mjlVzqr2hj2OPD0D5+Q594jPyUHlA=="/>
+      <go:slidesCustomData xmlns:go="http://customooxmlschemas.google.com/" xmlns:ahyp="http://schemas.microsoft.com/office/drawing/2018/hyperlinkcolor" xmlns:p15="http://schemas.microsoft.com/office/powerpoint/2012/main" xmlns:p14="http://schemas.microsoft.com/office/powerpoint/2010/main" xmlns:com="http://schemas.openxmlformats.org/drawingml/2006/compatibility" xmlns:pvml="urn:schemas-microsoft-com:office:powerpoint" xmlns:v="urn:schemas-microsoft-com:vml" xmlns:o="urn:schemas-microsoft-com:office:office" xmlns:dgm="http://schemas.openxmlformats.org/drawingml/2006/diagram" xmlns:c="http://schemas.openxmlformats.org/drawingml/2006/chart" xmlns:mv="urn:schemas-microsoft-com:mac:vml" xmlns:mc="http://schemas.openxmlformats.org/markup-compatibility/2006" xmlns="" r:id="rId39" roundtripDataSignature="AMtx7mjlVzqr2hj2OPD0D5+Q594jPyUHlA=="/>
     </p:ext>
   </p:extLst>
 </p:presentation>
@@ -5163,6 +5164,133 @@
         </p:spPr>
       </p:sp>
     </p:spTree>
+  </p:cSld>
+  <p:clrMapOvr>
+    <a:masterClrMapping/>
+  </p:clrMapOvr>
+</p:notes>
+</file>
+
+<file path=ppt/notesSlides/notesSlide26.xml><?xml version="1.0" encoding="utf-8"?>
+<p:notes xmlns:a="http://schemas.openxmlformats.org/drawingml/2006/main" xmlns:r="http://schemas.openxmlformats.org/officeDocument/2006/relationships" xmlns:p="http://schemas.openxmlformats.org/presentationml/2006/main" showMasterSp="0" showMasterPhAnim="0">
+  <p:cSld>
+    <p:spTree>
+      <p:nvGrpSpPr>
+        <p:cNvPr id="1" name="Shape 388"/>
+        <p:cNvGrpSpPr/>
+        <p:nvPr/>
+      </p:nvGrpSpPr>
+      <p:grpSpPr>
+        <a:xfrm>
+          <a:off x="0" y="0"/>
+          <a:ext cx="0" cy="0"/>
+          <a:chOff x="0" y="0"/>
+          <a:chExt cx="0" cy="0"/>
+        </a:xfrm>
+      </p:grpSpPr>
+      <p:sp>
+        <p:nvSpPr>
+          <p:cNvPr id="389" name="Google Shape;389;p28:notes"/>
+          <p:cNvSpPr txBox="1">
+            <a:spLocks noGrp="1"/>
+          </p:cNvSpPr>
+          <p:nvPr>
+            <p:ph type="body" idx="1"/>
+          </p:nvPr>
+        </p:nvSpPr>
+        <p:spPr>
+          <a:xfrm>
+            <a:off x="915139" y="4342721"/>
+            <a:ext cx="5027700" cy="4115100"/>
+          </a:xfrm>
+          <a:prstGeom prst="rect">
+            <a:avLst/>
+          </a:prstGeom>
+          <a:noFill/>
+          <a:ln>
+            <a:noFill/>
+          </a:ln>
+        </p:spPr>
+        <p:txBody>
+          <a:bodyPr spcFirstLastPara="1" wrap="square" lIns="91425" tIns="45700" rIns="91425" bIns="45700" anchor="t" anchorCtr="0">
+            <a:noAutofit/>
+          </a:bodyPr>
+          <a:lstStyle/>
+          <a:p>
+            <a:pPr marL="0" lvl="0" indent="0" algn="l" rtl="0">
+              <a:lnSpc>
+                <a:spcPct val="100000"/>
+              </a:lnSpc>
+              <a:spcBef>
+                <a:spcPts val="360"/>
+              </a:spcBef>
+              <a:spcAft>
+                <a:spcPts val="0"/>
+              </a:spcAft>
+              <a:buSzPts val="1400"/>
+              <a:buNone/>
+            </a:pPr>
+            <a:endParaRPr/>
+          </a:p>
+        </p:txBody>
+      </p:sp>
+      <p:sp>
+        <p:nvSpPr>
+          <p:cNvPr id="390" name="Google Shape;390;p28:notes"/>
+          <p:cNvSpPr>
+            <a:spLocks noGrp="1" noRot="1" noChangeAspect="1"/>
+          </p:cNvSpPr>
+          <p:nvPr>
+            <p:ph type="sldImg" idx="2"/>
+          </p:nvPr>
+        </p:nvSpPr>
+        <p:spPr>
+          <a:xfrm>
+            <a:off x="381000" y="685800"/>
+            <a:ext cx="6096000" cy="3429000"/>
+          </a:xfrm>
+          <a:custGeom>
+            <a:avLst/>
+            <a:gdLst/>
+            <a:ahLst/>
+            <a:cxnLst/>
+            <a:rect l="l" t="t" r="r" b="b"/>
+            <a:pathLst>
+              <a:path w="120000" h="120000" extrusionOk="0">
+                <a:moveTo>
+                  <a:pt x="0" y="0"/>
+                </a:moveTo>
+                <a:lnTo>
+                  <a:pt x="120000" y="0"/>
+                </a:lnTo>
+                <a:lnTo>
+                  <a:pt x="120000" y="120000"/>
+                </a:lnTo>
+                <a:lnTo>
+                  <a:pt x="0" y="120000"/>
+                </a:lnTo>
+                <a:close/>
+              </a:path>
+            </a:pathLst>
+          </a:custGeom>
+          <a:noFill/>
+          <a:ln w="12700" cap="flat" cmpd="sng">
+            <a:solidFill>
+              <a:srgbClr val="000000"/>
+            </a:solidFill>
+            <a:prstDash val="solid"/>
+            <a:round/>
+            <a:headEnd type="none" w="sm" len="sm"/>
+            <a:tailEnd type="none" w="sm" len="sm"/>
+          </a:ln>
+        </p:spPr>
+      </p:sp>
+    </p:spTree>
+    <p:extLst>
+      <p:ext uri="{BB962C8B-B14F-4D97-AF65-F5344CB8AC3E}">
+        <p14:creationId xmlns:p14="http://schemas.microsoft.com/office/powerpoint/2010/main" val="3578437241"/>
+      </p:ext>
+    </p:extLst>
   </p:cSld>
   <p:clrMapOvr>
     <a:masterClrMapping/>
@@ -39755,7 +39883,7 @@
               <a:buNone/>
             </a:pPr>
             <a:r>
-              <a:rPr lang="pt-BR" sz="1800" b="0" i="0" u="none" strike="noStrike" cap="none">
+              <a:rPr lang="pt-BR" sz="1800" b="0" i="0" u="none" strike="noStrike" cap="none" dirty="0">
                 <a:solidFill>
                   <a:schemeClr val="dk1"/>
                 </a:solidFill>
@@ -39766,7 +39894,7 @@
               </a:rPr>
               <a:t>nome</a:t>
             </a:r>
-            <a:endParaRPr sz="1400" b="0" i="0" u="none" strike="noStrike" cap="none">
+            <a:endParaRPr sz="1400" b="0" i="0" u="none" strike="noStrike" cap="none" dirty="0">
               <a:solidFill>
                 <a:srgbClr val="000000"/>
               </a:solidFill>
@@ -41217,6 +41345,514 @@
         </p:txBody>
       </p:sp>
     </p:spTree>
+  </p:cSld>
+  <p:clrMapOvr>
+    <a:masterClrMapping/>
+  </p:clrMapOvr>
+</p:sld>
+</file>
+
+<file path=ppt/slides/slide26.xml><?xml version="1.0" encoding="utf-8"?>
+<p:sld xmlns:a="http://schemas.openxmlformats.org/drawingml/2006/main" xmlns:r="http://schemas.openxmlformats.org/officeDocument/2006/relationships" xmlns:p="http://schemas.openxmlformats.org/presentationml/2006/main">
+  <p:cSld>
+    <p:spTree>
+      <p:nvGrpSpPr>
+        <p:cNvPr id="1" name="Shape 391"/>
+        <p:cNvGrpSpPr/>
+        <p:nvPr/>
+      </p:nvGrpSpPr>
+      <p:grpSpPr>
+        <a:xfrm>
+          <a:off x="0" y="0"/>
+          <a:ext cx="0" cy="0"/>
+          <a:chOff x="0" y="0"/>
+          <a:chExt cx="0" cy="0"/>
+        </a:xfrm>
+      </p:grpSpPr>
+      <p:sp>
+        <p:nvSpPr>
+          <p:cNvPr id="412" name="Google Shape;412;p28"/>
+          <p:cNvSpPr txBox="1"/>
+          <p:nvPr/>
+        </p:nvSpPr>
+        <p:spPr>
+          <a:xfrm>
+            <a:off x="5518149" y="-26987"/>
+            <a:ext cx="1812000" cy="260400"/>
+          </a:xfrm>
+          <a:prstGeom prst="rect">
+            <a:avLst/>
+          </a:prstGeom>
+          <a:noFill/>
+          <a:ln>
+            <a:noFill/>
+          </a:ln>
+        </p:spPr>
+        <p:txBody>
+          <a:bodyPr spcFirstLastPara="1" wrap="square" lIns="91425" tIns="45700" rIns="91425" bIns="45700" anchor="ctr" anchorCtr="0">
+            <a:noAutofit/>
+          </a:bodyPr>
+          <a:lstStyle/>
+          <a:p>
+            <a:pPr marL="0" marR="0" lvl="0" indent="0" algn="l" rtl="0">
+              <a:lnSpc>
+                <a:spcPct val="90000"/>
+              </a:lnSpc>
+              <a:spcBef>
+                <a:spcPts val="0"/>
+              </a:spcBef>
+              <a:spcAft>
+                <a:spcPts val="0"/>
+              </a:spcAft>
+              <a:buClr>
+                <a:schemeClr val="lt1"/>
+              </a:buClr>
+              <a:buSzPts val="1200"/>
+              <a:buFont typeface="Tahoma"/>
+              <a:buNone/>
+            </a:pPr>
+            <a:r>
+              <a:rPr lang="pt-BR" sz="1200" b="1" i="0" u="none" strike="noStrike" cap="none">
+                <a:solidFill>
+                  <a:schemeClr val="lt1"/>
+                </a:solidFill>
+                <a:latin typeface="Tahoma"/>
+                <a:ea typeface="Tahoma"/>
+                <a:cs typeface="Tahoma"/>
+                <a:sym typeface="Tahoma"/>
+              </a:rPr>
+              <a:t>MER</a:t>
+            </a:r>
+            <a:endParaRPr sz="1400" b="0" i="0" u="none" strike="noStrike" cap="none">
+              <a:solidFill>
+                <a:srgbClr val="000000"/>
+              </a:solidFill>
+              <a:latin typeface="Arial"/>
+              <a:ea typeface="Arial"/>
+              <a:cs typeface="Arial"/>
+              <a:sym typeface="Arial"/>
+            </a:endParaRPr>
+          </a:p>
+        </p:txBody>
+      </p:sp>
+      <p:pic>
+        <p:nvPicPr>
+          <p:cNvPr id="432" name="Google Shape;432;p28"/>
+          <p:cNvPicPr preferRelativeResize="0"/>
+          <p:nvPr/>
+        </p:nvPicPr>
+        <p:blipFill rotWithShape="1">
+          <a:blip r:embed="rId3">
+            <a:alphaModFix/>
+          </a:blip>
+          <a:srcRect/>
+          <a:stretch/>
+        </p:blipFill>
+        <p:spPr>
+          <a:xfrm>
+            <a:off x="9206151" y="0"/>
+            <a:ext cx="2380080" cy="1371599"/>
+          </a:xfrm>
+          <a:prstGeom prst="rect">
+            <a:avLst/>
+          </a:prstGeom>
+          <a:noFill/>
+          <a:ln>
+            <a:noFill/>
+          </a:ln>
+        </p:spPr>
+      </p:pic>
+      <p:sp>
+        <p:nvSpPr>
+          <p:cNvPr id="433" name="Google Shape;433;p28"/>
+          <p:cNvSpPr/>
+          <p:nvPr/>
+        </p:nvSpPr>
+        <p:spPr>
+          <a:xfrm>
+            <a:off x="316396" y="220248"/>
+            <a:ext cx="7932300" cy="584700"/>
+          </a:xfrm>
+          <a:prstGeom prst="rect">
+            <a:avLst/>
+          </a:prstGeom>
+          <a:noFill/>
+          <a:ln>
+            <a:noFill/>
+          </a:ln>
+        </p:spPr>
+        <p:txBody>
+          <a:bodyPr spcFirstLastPara="1" wrap="square" lIns="91425" tIns="45700" rIns="91425" bIns="45700" anchor="t" anchorCtr="0">
+            <a:noAutofit/>
+          </a:bodyPr>
+          <a:lstStyle/>
+          <a:p>
+            <a:pPr marL="0" marR="0" lvl="0" indent="0" algn="l" rtl="0">
+              <a:lnSpc>
+                <a:spcPct val="100000"/>
+              </a:lnSpc>
+              <a:spcBef>
+                <a:spcPts val="0"/>
+              </a:spcBef>
+              <a:spcAft>
+                <a:spcPts val="0"/>
+              </a:spcAft>
+              <a:buClr>
+                <a:srgbClr val="000000"/>
+              </a:buClr>
+              <a:buSzPts val="3200"/>
+              <a:buFont typeface="Arial"/>
+              <a:buNone/>
+            </a:pPr>
+            <a:r>
+              <a:rPr lang="pt-BR" sz="3200" b="1" i="0" u="none" strike="noStrike" cap="none" dirty="0">
+                <a:solidFill>
+                  <a:schemeClr val="dk1"/>
+                </a:solidFill>
+                <a:latin typeface="Century Schoolbook"/>
+                <a:ea typeface="Century Schoolbook"/>
+                <a:cs typeface="Century Schoolbook"/>
+                <a:sym typeface="Century Schoolbook"/>
+              </a:rPr>
+              <a:t>Dinâmica</a:t>
+            </a:r>
+            <a:endParaRPr sz="3200" b="1" i="0" u="none" strike="noStrike" cap="none" dirty="0">
+              <a:solidFill>
+                <a:schemeClr val="dk1"/>
+              </a:solidFill>
+              <a:latin typeface="Century Schoolbook"/>
+              <a:ea typeface="Century Schoolbook"/>
+              <a:cs typeface="Century Schoolbook"/>
+              <a:sym typeface="Century Schoolbook"/>
+            </a:endParaRPr>
+          </a:p>
+        </p:txBody>
+      </p:sp>
+      <p:sp>
+        <p:nvSpPr>
+          <p:cNvPr id="2" name="Google Shape;405;p28">
+            <a:extLst>
+              <a:ext uri="{FF2B5EF4-FFF2-40B4-BE49-F238E27FC236}">
+                <a16:creationId xmlns:a16="http://schemas.microsoft.com/office/drawing/2014/main" id="{C8CEBF46-212F-C05E-5992-026B8263C7EE}"/>
+              </a:ext>
+            </a:extLst>
+          </p:cNvPr>
+          <p:cNvSpPr txBox="1"/>
+          <p:nvPr/>
+        </p:nvSpPr>
+        <p:spPr>
+          <a:xfrm>
+            <a:off x="316396" y="1371599"/>
+            <a:ext cx="11735696" cy="4549516"/>
+          </a:xfrm>
+          <a:prstGeom prst="rect">
+            <a:avLst/>
+          </a:prstGeom>
+          <a:noFill/>
+          <a:ln>
+            <a:noFill/>
+          </a:ln>
+        </p:spPr>
+        <p:txBody>
+          <a:bodyPr spcFirstLastPara="1" wrap="square" lIns="0" tIns="0" rIns="0" bIns="0" anchor="t" anchorCtr="0">
+            <a:noAutofit/>
+          </a:bodyPr>
+          <a:lstStyle/>
+          <a:p>
+            <a:pPr marL="0" marR="0" lvl="0" indent="0" algn="l" rtl="0">
+              <a:lnSpc>
+                <a:spcPct val="100000"/>
+              </a:lnSpc>
+              <a:spcBef>
+                <a:spcPts val="0"/>
+              </a:spcBef>
+              <a:spcAft>
+                <a:spcPts val="0"/>
+              </a:spcAft>
+              <a:buClr>
+                <a:schemeClr val="dk1"/>
+              </a:buClr>
+              <a:buSzPts val="1800"/>
+              <a:buFont typeface="Tahoma"/>
+              <a:buNone/>
+            </a:pPr>
+            <a:r>
+              <a:rPr lang="pt-BR" sz="3200" b="0" i="0" u="none" strike="noStrike" cap="none" dirty="0">
+                <a:solidFill>
+                  <a:schemeClr val="dk1"/>
+                </a:solidFill>
+                <a:latin typeface="Tahoma"/>
+                <a:ea typeface="Tahoma"/>
+                <a:cs typeface="Tahoma"/>
+                <a:sym typeface="Tahoma"/>
+              </a:rPr>
+              <a:t>Acessar </a:t>
+            </a:r>
+            <a:r>
+              <a:rPr lang="pt-BR" sz="3200" b="0" i="0" u="none" strike="noStrike" cap="none">
+                <a:solidFill>
+                  <a:schemeClr val="dk1"/>
+                </a:solidFill>
+                <a:latin typeface="Tahoma"/>
+                <a:ea typeface="Tahoma"/>
+                <a:cs typeface="Tahoma"/>
+                <a:sym typeface="Tahoma"/>
+              </a:rPr>
+              <a:t>as URLS (conteúdo</a:t>
+            </a:r>
+            <a:r>
+              <a:rPr lang="pt-BR" sz="3200" b="0" i="0" u="none" strike="noStrike" cap="none" dirty="0">
+                <a:solidFill>
+                  <a:schemeClr val="dk1"/>
+                </a:solidFill>
+                <a:latin typeface="Tahoma"/>
+                <a:ea typeface="Tahoma"/>
+                <a:cs typeface="Tahoma"/>
+                <a:sym typeface="Tahoma"/>
+              </a:rPr>
+              <a:t>, prática </a:t>
+            </a:r>
+            <a:r>
+              <a:rPr lang="pt-BR" sz="3200" b="0" i="0" u="none" strike="noStrike" cap="none">
+                <a:solidFill>
+                  <a:schemeClr val="dk1"/>
+                </a:solidFill>
+                <a:latin typeface="Tahoma"/>
+                <a:ea typeface="Tahoma"/>
+                <a:cs typeface="Tahoma"/>
+                <a:sym typeface="Tahoma"/>
+              </a:rPr>
+              <a:t>e exercícios):</a:t>
+            </a:r>
+            <a:endParaRPr lang="pt-BR" sz="3200" b="0" i="0" u="none" strike="noStrike" cap="none" dirty="0">
+              <a:solidFill>
+                <a:schemeClr val="dk1"/>
+              </a:solidFill>
+              <a:latin typeface="Tahoma"/>
+              <a:ea typeface="Tahoma"/>
+              <a:cs typeface="Tahoma"/>
+              <a:sym typeface="Tahoma"/>
+            </a:endParaRPr>
+          </a:p>
+          <a:p>
+            <a:pPr marL="0" marR="0" lvl="0" indent="0" algn="l" rtl="0">
+              <a:lnSpc>
+                <a:spcPct val="100000"/>
+              </a:lnSpc>
+              <a:spcBef>
+                <a:spcPts val="0"/>
+              </a:spcBef>
+              <a:spcAft>
+                <a:spcPts val="0"/>
+              </a:spcAft>
+              <a:buClr>
+                <a:schemeClr val="dk1"/>
+              </a:buClr>
+              <a:buSzPts val="1800"/>
+              <a:buFont typeface="Tahoma"/>
+              <a:buNone/>
+            </a:pPr>
+            <a:endParaRPr lang="pt-BR" sz="3200" dirty="0">
+              <a:solidFill>
+                <a:schemeClr val="dk1"/>
+              </a:solidFill>
+              <a:latin typeface="Tahoma"/>
+              <a:ea typeface="Tahoma"/>
+              <a:cs typeface="Tahoma"/>
+              <a:sym typeface="Tahoma"/>
+            </a:endParaRPr>
+          </a:p>
+          <a:p>
+            <a:pPr marL="342900" indent="-342900">
+              <a:buClr>
+                <a:schemeClr val="dk1"/>
+              </a:buClr>
+              <a:buSzPts val="1800"/>
+              <a:buFont typeface="Tahoma"/>
+              <a:buAutoNum type="arabicPeriod"/>
+            </a:pPr>
+            <a:r>
+              <a:rPr lang="pt-BR" sz="3200" b="0" i="0" u="none" strike="noStrike" cap="none" dirty="0">
+                <a:solidFill>
+                  <a:schemeClr val="dk1"/>
+                </a:solidFill>
+                <a:latin typeface="Tahoma"/>
+                <a:ea typeface="Tahoma"/>
+                <a:cs typeface="Tahoma"/>
+                <a:sym typeface="Tahoma"/>
+              </a:rPr>
+              <a:t>w3schools.com/</a:t>
+            </a:r>
+            <a:r>
+              <a:rPr lang="pt-BR" sz="3200" b="0" i="0" u="none" strike="noStrike" cap="none" dirty="0" err="1">
+                <a:solidFill>
+                  <a:schemeClr val="dk1"/>
+                </a:solidFill>
+                <a:latin typeface="Tahoma"/>
+                <a:ea typeface="Tahoma"/>
+                <a:cs typeface="Tahoma"/>
+                <a:sym typeface="Tahoma"/>
+              </a:rPr>
+              <a:t>sql</a:t>
+            </a:r>
+            <a:r>
+              <a:rPr lang="pt-BR" sz="3200" b="0" i="0" u="none" strike="noStrike" cap="none" dirty="0">
+                <a:solidFill>
+                  <a:schemeClr val="dk1"/>
+                </a:solidFill>
+                <a:latin typeface="Tahoma"/>
+                <a:ea typeface="Tahoma"/>
+                <a:cs typeface="Tahoma"/>
+                <a:sym typeface="Tahoma"/>
+              </a:rPr>
+              <a:t>/ </a:t>
+            </a:r>
+          </a:p>
+          <a:p>
+            <a:pPr marL="342900" indent="-342900">
+              <a:buClr>
+                <a:schemeClr val="dk1"/>
+              </a:buClr>
+              <a:buSzPts val="1800"/>
+              <a:buFont typeface="Tahoma"/>
+              <a:buAutoNum type="arabicPeriod"/>
+            </a:pPr>
+            <a:endParaRPr lang="pt-BR" sz="3200" b="0" i="0" u="none" strike="noStrike" cap="none" dirty="0">
+              <a:solidFill>
+                <a:schemeClr val="dk1"/>
+              </a:solidFill>
+              <a:latin typeface="Tahoma"/>
+              <a:ea typeface="Tahoma"/>
+              <a:cs typeface="Tahoma"/>
+              <a:sym typeface="Tahoma"/>
+            </a:endParaRPr>
+          </a:p>
+          <a:p>
+            <a:pPr marL="342900" marR="0" lvl="0" indent="-342900" algn="l" rtl="0">
+              <a:lnSpc>
+                <a:spcPct val="100000"/>
+              </a:lnSpc>
+              <a:spcBef>
+                <a:spcPts val="0"/>
+              </a:spcBef>
+              <a:spcAft>
+                <a:spcPts val="0"/>
+              </a:spcAft>
+              <a:buClr>
+                <a:schemeClr val="dk1"/>
+              </a:buClr>
+              <a:buSzPts val="1800"/>
+              <a:buFont typeface="Tahoma"/>
+              <a:buAutoNum type="arabicPeriod"/>
+            </a:pPr>
+            <a:r>
+              <a:rPr lang="pt-BR" sz="3200" dirty="0">
+                <a:solidFill>
+                  <a:schemeClr val="dk1"/>
+                </a:solidFill>
+                <a:latin typeface="Tahoma"/>
+                <a:ea typeface="Tahoma"/>
+                <a:cs typeface="Tahoma"/>
+                <a:sym typeface="Tahoma"/>
+              </a:rPr>
+              <a:t>sqliteonline.com/ </a:t>
+            </a:r>
+          </a:p>
+          <a:p>
+            <a:pPr marL="342900" marR="0" lvl="0" indent="-342900" algn="l" rtl="0">
+              <a:lnSpc>
+                <a:spcPct val="100000"/>
+              </a:lnSpc>
+              <a:spcBef>
+                <a:spcPts val="0"/>
+              </a:spcBef>
+              <a:spcAft>
+                <a:spcPts val="0"/>
+              </a:spcAft>
+              <a:buClr>
+                <a:schemeClr val="dk1"/>
+              </a:buClr>
+              <a:buSzPts val="1800"/>
+              <a:buFont typeface="Tahoma"/>
+              <a:buAutoNum type="arabicPeriod"/>
+            </a:pPr>
+            <a:endParaRPr lang="pt-BR" sz="3200" dirty="0">
+              <a:solidFill>
+                <a:schemeClr val="dk1"/>
+              </a:solidFill>
+              <a:latin typeface="Tahoma"/>
+              <a:ea typeface="Tahoma"/>
+              <a:cs typeface="Tahoma"/>
+              <a:sym typeface="Tahoma"/>
+            </a:endParaRPr>
+          </a:p>
+          <a:p>
+            <a:pPr marL="342900" marR="0" lvl="0" indent="-342900" algn="l" rtl="0">
+              <a:lnSpc>
+                <a:spcPct val="100000"/>
+              </a:lnSpc>
+              <a:spcBef>
+                <a:spcPts val="0"/>
+              </a:spcBef>
+              <a:spcAft>
+                <a:spcPts val="0"/>
+              </a:spcAft>
+              <a:buClr>
+                <a:schemeClr val="dk1"/>
+              </a:buClr>
+              <a:buSzPts val="1800"/>
+              <a:buFont typeface="Tahoma"/>
+              <a:buAutoNum type="arabicPeriod"/>
+            </a:pPr>
+            <a:r>
+              <a:rPr lang="pt-BR" sz="3200" dirty="0">
+                <a:solidFill>
+                  <a:schemeClr val="dk1"/>
+                </a:solidFill>
+                <a:latin typeface="Tahoma"/>
+                <a:ea typeface="Tahoma"/>
+                <a:cs typeface="Tahoma"/>
+                <a:sym typeface="Tahoma"/>
+              </a:rPr>
+              <a:t>sqlfiddle.com/</a:t>
+            </a:r>
+          </a:p>
+          <a:p>
+            <a:pPr marL="342900" marR="0" lvl="0" indent="-342900" algn="l" rtl="0">
+              <a:lnSpc>
+                <a:spcPct val="100000"/>
+              </a:lnSpc>
+              <a:spcBef>
+                <a:spcPts val="0"/>
+              </a:spcBef>
+              <a:spcAft>
+                <a:spcPts val="0"/>
+              </a:spcAft>
+              <a:buClr>
+                <a:schemeClr val="dk1"/>
+              </a:buClr>
+              <a:buSzPts val="1800"/>
+              <a:buFont typeface="Tahoma"/>
+              <a:buAutoNum type="arabicPeriod"/>
+            </a:pPr>
+            <a:endParaRPr sz="3200" b="0" i="0" u="none" strike="noStrike" cap="none" dirty="0">
+              <a:solidFill>
+                <a:srgbClr val="000000"/>
+              </a:solidFill>
+              <a:latin typeface="Arial"/>
+              <a:ea typeface="Arial"/>
+              <a:cs typeface="Arial"/>
+              <a:sym typeface="Arial"/>
+            </a:endParaRPr>
+          </a:p>
+        </p:txBody>
+      </p:sp>
+    </p:spTree>
+    <p:extLst>
+      <p:ext uri="{BB962C8B-B14F-4D97-AF65-F5344CB8AC3E}">
+        <p14:creationId xmlns:p14="http://schemas.microsoft.com/office/powerpoint/2010/main" val="3556073261"/>
+      </p:ext>
+    </p:extLst>
   </p:cSld>
   <p:clrMapOvr>
     <a:masterClrMapping/>
